--- a/wigs/WIGS-W05_06.pptx
+++ b/wigs/WIGS-W05_06.pptx
@@ -223,6 +223,7 @@
     <p1510:client id="{C9B7AA8F-ABD5-1600-5496-F69D43A88E7E}" v="52" dt="2020-06-02T23:21:59.720"/>
     <p1510:client id="{E1D64894-E167-49A4-8CAB-3B7CE1C7B946}" v="1003" dt="2020-06-02T18:58:09.648"/>
     <p1510:client id="{E3C2EC3E-DDF4-74AF-AB45-695EB991CECA}" v="2" dt="2020-06-09T21:19:57.309"/>
+    <p1510:client id="{FEC1CDF3-C3CB-DCB1-31C0-74C36EC6D4E7}" v="7" dt="2020-07-15T20:33:29.498"/>
   </p1510:revLst>
 </p1510:revInfo>
 </file>
@@ -248,99 +249,6 @@
             <pc:docMk/>
             <pc:sldMk cId="3274920309" sldId="341"/>
             <ac:graphicFrameMk id="3" creationId="{00000000-0000-0000-0000-000000000000}"/>
-          </ac:graphicFrameMkLst>
-        </pc:graphicFrameChg>
-      </pc:sldChg>
-    </pc:docChg>
-  </pc:docChgLst>
-  <pc:docChgLst>
-    <pc:chgData name="Cheney, Spencer" userId="S::spencercheney@byui.edu::360f47fc-098b-4f01-9f2f-bd16741641cb" providerId="AD" clId="Web-{02289BD9-7EFF-16F1-CB05-A0FE704F27B7}"/>
-    <pc:docChg chg="modSld">
-      <pc:chgData name="Cheney, Spencer" userId="S::spencercheney@byui.edu::360f47fc-098b-4f01-9f2f-bd16741641cb" providerId="AD" clId="Web-{02289BD9-7EFF-16F1-CB05-A0FE704F27B7}" dt="2020-06-02T19:07:10.412" v="725"/>
-      <pc:docMkLst>
-        <pc:docMk/>
-      </pc:docMkLst>
-      <pc:sldChg chg="modSp">
-        <pc:chgData name="Cheney, Spencer" userId="S::spencercheney@byui.edu::360f47fc-098b-4f01-9f2f-bd16741641cb" providerId="AD" clId="Web-{02289BD9-7EFF-16F1-CB05-A0FE704F27B7}" dt="2020-06-02T19:07:10.412" v="725"/>
-        <pc:sldMkLst>
-          <pc:docMk/>
-          <pc:sldMk cId="111585525" sldId="343"/>
-        </pc:sldMkLst>
-        <pc:graphicFrameChg chg="mod modGraphic">
-          <ac:chgData name="Cheney, Spencer" userId="S::spencercheney@byui.edu::360f47fc-098b-4f01-9f2f-bd16741641cb" providerId="AD" clId="Web-{02289BD9-7EFF-16F1-CB05-A0FE704F27B7}" dt="2020-06-02T19:07:05.193" v="723"/>
-          <ac:graphicFrameMkLst>
-            <pc:docMk/>
-            <pc:sldMk cId="111585525" sldId="343"/>
-            <ac:graphicFrameMk id="3" creationId="{00000000-0000-0000-0000-000000000000}"/>
-          </ac:graphicFrameMkLst>
-        </pc:graphicFrameChg>
-        <pc:graphicFrameChg chg="mod modGraphic">
-          <ac:chgData name="Cheney, Spencer" userId="S::spencercheney@byui.edu::360f47fc-098b-4f01-9f2f-bd16741641cb" providerId="AD" clId="Web-{02289BD9-7EFF-16F1-CB05-A0FE704F27B7}" dt="2020-06-02T19:07:10.412" v="725"/>
-          <ac:graphicFrameMkLst>
-            <pc:docMk/>
-            <pc:sldMk cId="111585525" sldId="343"/>
-            <ac:graphicFrameMk id="4" creationId="{00000000-0000-0000-0000-000000000000}"/>
-          </ac:graphicFrameMkLst>
-        </pc:graphicFrameChg>
-      </pc:sldChg>
-      <pc:sldChg chg="modSp">
-        <pc:chgData name="Cheney, Spencer" userId="S::spencercheney@byui.edu::360f47fc-098b-4f01-9f2f-bd16741641cb" providerId="AD" clId="Web-{02289BD9-7EFF-16F1-CB05-A0FE704F27B7}" dt="2020-06-02T19:06:09.896" v="616" actId="20577"/>
-        <pc:sldMkLst>
-          <pc:docMk/>
-          <pc:sldMk cId="2052418900" sldId="344"/>
-        </pc:sldMkLst>
-        <pc:spChg chg="mod">
-          <ac:chgData name="Cheney, Spencer" userId="S::spencercheney@byui.edu::360f47fc-098b-4f01-9f2f-bd16741641cb" providerId="AD" clId="Web-{02289BD9-7EFF-16F1-CB05-A0FE704F27B7}" dt="2020-06-02T19:06:09.896" v="616" actId="20577"/>
-          <ac:spMkLst>
-            <pc:docMk/>
-            <pc:sldMk cId="2052418900" sldId="344"/>
-            <ac:spMk id="3" creationId="{00000000-0000-0000-0000-000000000000}"/>
-          </ac:spMkLst>
-        </pc:spChg>
-      </pc:sldChg>
-      <pc:sldChg chg="modSp">
-        <pc:chgData name="Cheney, Spencer" userId="S::spencercheney@byui.edu::360f47fc-098b-4f01-9f2f-bd16741641cb" providerId="AD" clId="Web-{02289BD9-7EFF-16F1-CB05-A0FE704F27B7}" dt="2020-06-02T19:05:13.427" v="483" actId="20577"/>
-        <pc:sldMkLst>
-          <pc:docMk/>
-          <pc:sldMk cId="2725254518" sldId="345"/>
-        </pc:sldMkLst>
-        <pc:spChg chg="mod">
-          <ac:chgData name="Cheney, Spencer" userId="S::spencercheney@byui.edu::360f47fc-098b-4f01-9f2f-bd16741641cb" providerId="AD" clId="Web-{02289BD9-7EFF-16F1-CB05-A0FE704F27B7}" dt="2020-06-02T19:05:13.427" v="483" actId="20577"/>
-          <ac:spMkLst>
-            <pc:docMk/>
-            <pc:sldMk cId="2725254518" sldId="345"/>
-            <ac:spMk id="3" creationId="{00000000-0000-0000-0000-000000000000}"/>
-          </ac:spMkLst>
-        </pc:spChg>
-      </pc:sldChg>
-      <pc:sldChg chg="modSp">
-        <pc:chgData name="Cheney, Spencer" userId="S::spencercheney@byui.edu::360f47fc-098b-4f01-9f2f-bd16741641cb" providerId="AD" clId="Web-{02289BD9-7EFF-16F1-CB05-A0FE704F27B7}" dt="2020-06-02T19:03:26.192" v="348"/>
-        <pc:sldMkLst>
-          <pc:docMk/>
-          <pc:sldMk cId="306672108" sldId="346"/>
-        </pc:sldMkLst>
-        <pc:spChg chg="mod">
-          <ac:chgData name="Cheney, Spencer" userId="S::spencercheney@byui.edu::360f47fc-098b-4f01-9f2f-bd16741641cb" providerId="AD" clId="Web-{02289BD9-7EFF-16F1-CB05-A0FE704F27B7}" dt="2020-06-02T19:00:49.020" v="12" actId="20577"/>
-          <ac:spMkLst>
-            <pc:docMk/>
-            <pc:sldMk cId="306672108" sldId="346"/>
-            <ac:spMk id="2" creationId="{00000000-0000-0000-0000-000000000000}"/>
-          </ac:spMkLst>
-        </pc:spChg>
-        <pc:graphicFrameChg chg="mod modGraphic">
-          <ac:chgData name="Cheney, Spencer" userId="S::spencercheney@byui.edu::360f47fc-098b-4f01-9f2f-bd16741641cb" providerId="AD" clId="Web-{02289BD9-7EFF-16F1-CB05-A0FE704F27B7}" dt="2020-06-02T19:02:45.786" v="336"/>
-          <ac:graphicFrameMkLst>
-            <pc:docMk/>
-            <pc:sldMk cId="306672108" sldId="346"/>
-            <ac:graphicFrameMk id="3" creationId="{00000000-0000-0000-0000-000000000000}"/>
-          </ac:graphicFrameMkLst>
-        </pc:graphicFrameChg>
-        <pc:graphicFrameChg chg="mod modGraphic">
-          <ac:chgData name="Cheney, Spencer" userId="S::spencercheney@byui.edu::360f47fc-098b-4f01-9f2f-bd16741641cb" providerId="AD" clId="Web-{02289BD9-7EFF-16F1-CB05-A0FE704F27B7}" dt="2020-06-02T19:03:26.192" v="348"/>
-          <ac:graphicFrameMkLst>
-            <pc:docMk/>
-            <pc:sldMk cId="306672108" sldId="346"/>
-            <ac:graphicFrameMk id="4" creationId="{00000000-0000-0000-0000-000000000000}"/>
           </ac:graphicFrameMkLst>
         </pc:graphicFrameChg>
       </pc:sldChg>
@@ -602,6 +510,99 @@
     </pc:docChg>
   </pc:docChgLst>
   <pc:docChgLst>
+    <pc:chgData name="Cheney, Spencer" userId="S::spencercheney@byui.edu::360f47fc-098b-4f01-9f2f-bd16741641cb" providerId="AD" clId="Web-{02289BD9-7EFF-16F1-CB05-A0FE704F27B7}"/>
+    <pc:docChg chg="modSld">
+      <pc:chgData name="Cheney, Spencer" userId="S::spencercheney@byui.edu::360f47fc-098b-4f01-9f2f-bd16741641cb" providerId="AD" clId="Web-{02289BD9-7EFF-16F1-CB05-A0FE704F27B7}" dt="2020-06-02T19:07:10.412" v="725"/>
+      <pc:docMkLst>
+        <pc:docMk/>
+      </pc:docMkLst>
+      <pc:sldChg chg="modSp">
+        <pc:chgData name="Cheney, Spencer" userId="S::spencercheney@byui.edu::360f47fc-098b-4f01-9f2f-bd16741641cb" providerId="AD" clId="Web-{02289BD9-7EFF-16F1-CB05-A0FE704F27B7}" dt="2020-06-02T19:07:10.412" v="725"/>
+        <pc:sldMkLst>
+          <pc:docMk/>
+          <pc:sldMk cId="111585525" sldId="343"/>
+        </pc:sldMkLst>
+        <pc:graphicFrameChg chg="mod modGraphic">
+          <ac:chgData name="Cheney, Spencer" userId="S::spencercheney@byui.edu::360f47fc-098b-4f01-9f2f-bd16741641cb" providerId="AD" clId="Web-{02289BD9-7EFF-16F1-CB05-A0FE704F27B7}" dt="2020-06-02T19:07:05.193" v="723"/>
+          <ac:graphicFrameMkLst>
+            <pc:docMk/>
+            <pc:sldMk cId="111585525" sldId="343"/>
+            <ac:graphicFrameMk id="3" creationId="{00000000-0000-0000-0000-000000000000}"/>
+          </ac:graphicFrameMkLst>
+        </pc:graphicFrameChg>
+        <pc:graphicFrameChg chg="mod modGraphic">
+          <ac:chgData name="Cheney, Spencer" userId="S::spencercheney@byui.edu::360f47fc-098b-4f01-9f2f-bd16741641cb" providerId="AD" clId="Web-{02289BD9-7EFF-16F1-CB05-A0FE704F27B7}" dt="2020-06-02T19:07:10.412" v="725"/>
+          <ac:graphicFrameMkLst>
+            <pc:docMk/>
+            <pc:sldMk cId="111585525" sldId="343"/>
+            <ac:graphicFrameMk id="4" creationId="{00000000-0000-0000-0000-000000000000}"/>
+          </ac:graphicFrameMkLst>
+        </pc:graphicFrameChg>
+      </pc:sldChg>
+      <pc:sldChg chg="modSp">
+        <pc:chgData name="Cheney, Spencer" userId="S::spencercheney@byui.edu::360f47fc-098b-4f01-9f2f-bd16741641cb" providerId="AD" clId="Web-{02289BD9-7EFF-16F1-CB05-A0FE704F27B7}" dt="2020-06-02T19:06:09.896" v="616" actId="20577"/>
+        <pc:sldMkLst>
+          <pc:docMk/>
+          <pc:sldMk cId="2052418900" sldId="344"/>
+        </pc:sldMkLst>
+        <pc:spChg chg="mod">
+          <ac:chgData name="Cheney, Spencer" userId="S::spencercheney@byui.edu::360f47fc-098b-4f01-9f2f-bd16741641cb" providerId="AD" clId="Web-{02289BD9-7EFF-16F1-CB05-A0FE704F27B7}" dt="2020-06-02T19:06:09.896" v="616" actId="20577"/>
+          <ac:spMkLst>
+            <pc:docMk/>
+            <pc:sldMk cId="2052418900" sldId="344"/>
+            <ac:spMk id="3" creationId="{00000000-0000-0000-0000-000000000000}"/>
+          </ac:spMkLst>
+        </pc:spChg>
+      </pc:sldChg>
+      <pc:sldChg chg="modSp">
+        <pc:chgData name="Cheney, Spencer" userId="S::spencercheney@byui.edu::360f47fc-098b-4f01-9f2f-bd16741641cb" providerId="AD" clId="Web-{02289BD9-7EFF-16F1-CB05-A0FE704F27B7}" dt="2020-06-02T19:05:13.427" v="483" actId="20577"/>
+        <pc:sldMkLst>
+          <pc:docMk/>
+          <pc:sldMk cId="2725254518" sldId="345"/>
+        </pc:sldMkLst>
+        <pc:spChg chg="mod">
+          <ac:chgData name="Cheney, Spencer" userId="S::spencercheney@byui.edu::360f47fc-098b-4f01-9f2f-bd16741641cb" providerId="AD" clId="Web-{02289BD9-7EFF-16F1-CB05-A0FE704F27B7}" dt="2020-06-02T19:05:13.427" v="483" actId="20577"/>
+          <ac:spMkLst>
+            <pc:docMk/>
+            <pc:sldMk cId="2725254518" sldId="345"/>
+            <ac:spMk id="3" creationId="{00000000-0000-0000-0000-000000000000}"/>
+          </ac:spMkLst>
+        </pc:spChg>
+      </pc:sldChg>
+      <pc:sldChg chg="modSp">
+        <pc:chgData name="Cheney, Spencer" userId="S::spencercheney@byui.edu::360f47fc-098b-4f01-9f2f-bd16741641cb" providerId="AD" clId="Web-{02289BD9-7EFF-16F1-CB05-A0FE704F27B7}" dt="2020-06-02T19:03:26.192" v="348"/>
+        <pc:sldMkLst>
+          <pc:docMk/>
+          <pc:sldMk cId="306672108" sldId="346"/>
+        </pc:sldMkLst>
+        <pc:spChg chg="mod">
+          <ac:chgData name="Cheney, Spencer" userId="S::spencercheney@byui.edu::360f47fc-098b-4f01-9f2f-bd16741641cb" providerId="AD" clId="Web-{02289BD9-7EFF-16F1-CB05-A0FE704F27B7}" dt="2020-06-02T19:00:49.020" v="12" actId="20577"/>
+          <ac:spMkLst>
+            <pc:docMk/>
+            <pc:sldMk cId="306672108" sldId="346"/>
+            <ac:spMk id="2" creationId="{00000000-0000-0000-0000-000000000000}"/>
+          </ac:spMkLst>
+        </pc:spChg>
+        <pc:graphicFrameChg chg="mod modGraphic">
+          <ac:chgData name="Cheney, Spencer" userId="S::spencercheney@byui.edu::360f47fc-098b-4f01-9f2f-bd16741641cb" providerId="AD" clId="Web-{02289BD9-7EFF-16F1-CB05-A0FE704F27B7}" dt="2020-06-02T19:02:45.786" v="336"/>
+          <ac:graphicFrameMkLst>
+            <pc:docMk/>
+            <pc:sldMk cId="306672108" sldId="346"/>
+            <ac:graphicFrameMk id="3" creationId="{00000000-0000-0000-0000-000000000000}"/>
+          </ac:graphicFrameMkLst>
+        </pc:graphicFrameChg>
+        <pc:graphicFrameChg chg="mod modGraphic">
+          <ac:chgData name="Cheney, Spencer" userId="S::spencercheney@byui.edu::360f47fc-098b-4f01-9f2f-bd16741641cb" providerId="AD" clId="Web-{02289BD9-7EFF-16F1-CB05-A0FE704F27B7}" dt="2020-06-02T19:03:26.192" v="348"/>
+          <ac:graphicFrameMkLst>
+            <pc:docMk/>
+            <pc:sldMk cId="306672108" sldId="346"/>
+            <ac:graphicFrameMk id="4" creationId="{00000000-0000-0000-0000-000000000000}"/>
+          </ac:graphicFrameMkLst>
+        </pc:graphicFrameChg>
+      </pc:sldChg>
+    </pc:docChg>
+  </pc:docChgLst>
+  <pc:docChgLst>
     <pc:chgData name="Boe, Jonah" userId="S::jonahwb@byui.edu::0d5e1f00-1ebc-42bd-9eb7-862baab2db1c" providerId="AD" clId="Web-{E3C2EC3E-DDF4-74AF-AB45-695EB991CECA}"/>
     <pc:docChg chg="modSld">
       <pc:chgData name="Boe, Jonah" userId="S::jonahwb@byui.edu::0d5e1f00-1ebc-42bd-9eb7-862baab2db1c" providerId="AD" clId="Web-{E3C2EC3E-DDF4-74AF-AB45-695EB991CECA}" dt="2020-06-09T21:19:57.278" v="1" actId="1076"/>
@@ -832,6 +833,30 @@
         </pc:graphicFrameChg>
         <pc:graphicFrameChg chg="mod modGraphic">
           <ac:chgData name="Boe, Jonah" userId="S::jonahwb@byui.edu::0d5e1f00-1ebc-42bd-9eb7-862baab2db1c" providerId="AD" clId="Web-{E1D64894-E167-49A4-8CAB-3B7CE1C7B946}" dt="2020-06-02T18:11:30.424" v="138"/>
+          <ac:graphicFrameMkLst>
+            <pc:docMk/>
+            <pc:sldMk cId="3274920309" sldId="341"/>
+            <ac:graphicFrameMk id="4" creationId="{00000000-0000-0000-0000-000000000000}"/>
+          </ac:graphicFrameMkLst>
+        </pc:graphicFrameChg>
+      </pc:sldChg>
+    </pc:docChg>
+  </pc:docChgLst>
+  <pc:docChgLst>
+    <pc:chgData name="Boe, Jonah" userId="S::jonahwb@byui.edu::0d5e1f00-1ebc-42bd-9eb7-862baab2db1c" providerId="AD" clId="Web-{FEC1CDF3-C3CB-DCB1-31C0-74C36EC6D4E7}"/>
+    <pc:docChg chg="modSld">
+      <pc:chgData name="Boe, Jonah" userId="S::jonahwb@byui.edu::0d5e1f00-1ebc-42bd-9eb7-862baab2db1c" providerId="AD" clId="Web-{FEC1CDF3-C3CB-DCB1-31C0-74C36EC6D4E7}" dt="2020-07-15T20:28:55.697" v="1"/>
+      <pc:docMkLst>
+        <pc:docMk/>
+      </pc:docMkLst>
+      <pc:sldChg chg="modSp">
+        <pc:chgData name="Boe, Jonah" userId="S::jonahwb@byui.edu::0d5e1f00-1ebc-42bd-9eb7-862baab2db1c" providerId="AD" clId="Web-{FEC1CDF3-C3CB-DCB1-31C0-74C36EC6D4E7}" dt="2020-07-15T20:28:55.697" v="1"/>
+        <pc:sldMkLst>
+          <pc:docMk/>
+          <pc:sldMk cId="3274920309" sldId="341"/>
+        </pc:sldMkLst>
+        <pc:graphicFrameChg chg="mod modGraphic">
+          <ac:chgData name="Boe, Jonah" userId="S::jonahwb@byui.edu::0d5e1f00-1ebc-42bd-9eb7-862baab2db1c" providerId="AD" clId="Web-{FEC1CDF3-C3CB-DCB1-31C0-74C36EC6D4E7}" dt="2020-07-15T20:28:55.697" v="1"/>
           <ac:graphicFrameMkLst>
             <pc:docMk/>
             <pc:sldMk cId="3274920309" sldId="341"/>
@@ -1238,10 +1263,10 @@
           </a:ln>
           <a:extLst>
             <a:ext uri="{FAA26D3D-D897-4be2-8F04-BA451C77F1D7}">
-              <ma14:placeholderFlag xmlns:ma14="http://schemas.microsoft.com/office/mac/drawingml/2011/main" xmlns="" val="1"/>
+              <ma14:placeholderFlag xmlns="" xmlns:ma14="http://schemas.microsoft.com/office/mac/drawingml/2011/main" val="1"/>
             </a:ext>
             <a:ext uri="{909E8E84-426E-40dd-AFC4-6F175D3DCCD1}">
-              <a14:hiddenFill xmlns:a14="http://schemas.microsoft.com/office/drawing/2010/main" xmlns="">
+              <a14:hiddenFill xmlns="" xmlns:a14="http://schemas.microsoft.com/office/drawing/2010/main">
                 <a:solidFill>
                   <a:srgbClr val="FFFFFF"/>
                 </a:solidFill>
@@ -2105,14 +2130,14 @@
           </a:ln>
           <a:extLst>
             <a:ext uri="{909E8E84-426E-40dd-AFC4-6F175D3DCCD1}">
-              <a14:hiddenFill xmlns:a14="http://schemas.microsoft.com/office/drawing/2010/main" xmlns="">
+              <a14:hiddenFill xmlns="" xmlns:a14="http://schemas.microsoft.com/office/drawing/2010/main">
                 <a:solidFill>
                   <a:srgbClr val="FFFFFF"/>
                 </a:solidFill>
               </a14:hiddenFill>
             </a:ext>
             <a:ext uri="{91240B29-F687-4f45-9708-019B960494DF}">
-              <a14:hiddenLine xmlns:a14="http://schemas.microsoft.com/office/drawing/2010/main" xmlns="" w="9525">
+              <a14:hiddenLine xmlns="" xmlns:a14="http://schemas.microsoft.com/office/drawing/2010/main" w="9525">
                 <a:solidFill>
                   <a:srgbClr val="000000"/>
                 </a:solidFill>
@@ -15788,7 +15813,7 @@
           <p:nvPr>
             <p:extLst>
               <p:ext uri="{D42A27DB-BD31-4B8C-83A1-F6EECF244321}">
-                <p14:modId xmlns:p14="http://schemas.microsoft.com/office/powerpoint/2010/main" val="3033785627"/>
+                <p14:modId xmlns:p14="http://schemas.microsoft.com/office/powerpoint/2010/main" val="61628336"/>
               </p:ext>
             </p:extLst>
           </p:nvPr>
@@ -15827,7 +15852,7 @@
                     <a:p>
                       <a:pPr algn="ctr" fontAlgn="b"/>
                       <a:r>
-                        <a:rPr lang="en-US" sz="1100" u="none" strike="noStrike">
+                        <a:rPr lang="en-US" sz="1100" u="none" strike="noStrike" dirty="0">
                           <a:solidFill>
                             <a:schemeClr val="bg1"/>
                           </a:solidFill>
@@ -15836,7 +15861,7 @@
                         <a:t>Hours on task during the week (On track ≥ 21 / </a:t>
                       </a:r>
                       <a:r>
-                        <a:rPr lang="en-US" sz="1100" u="none" strike="noStrike" err="1">
+                        <a:rPr lang="en-US" sz="1100" u="none" strike="noStrike" dirty="0" err="1">
                           <a:solidFill>
                             <a:schemeClr val="bg1"/>
                           </a:solidFill>
@@ -15845,7 +15870,7 @@
                         <a:t>wk</a:t>
                       </a:r>
                       <a:r>
-                        <a:rPr lang="en-US" sz="1100" u="none" strike="noStrike">
+                        <a:rPr lang="en-US" sz="1100" u="none" strike="noStrike" dirty="0">
                           <a:solidFill>
                             <a:schemeClr val="bg1"/>
                           </a:solidFill>
@@ -15853,7 +15878,7 @@
                         </a:rPr>
                         <a:t>)</a:t>
                       </a:r>
-                      <a:endParaRPr lang="en-US" sz="1100" b="0" i="0" u="none" strike="noStrike">
+                      <a:endParaRPr lang="en-US" sz="1100" b="0" i="0" u="none" strike="noStrike" dirty="0">
                         <a:solidFill>
                           <a:schemeClr val="bg1"/>
                         </a:solidFill>
@@ -15916,7 +15941,7 @@
                     <a:p>
                       <a:pPr algn="ctr" fontAlgn="b"/>
                       <a:r>
-                        <a:rPr lang="en-US" sz="1100" b="0" i="0" u="none" strike="noStrike">
+                        <a:rPr lang="en-US" sz="1100" b="0" i="0" u="none" strike="noStrike" dirty="0">
                           <a:solidFill>
                             <a:schemeClr val="bg1"/>
                           </a:solidFill>
@@ -15925,7 +15950,7 @@
                         </a:rPr>
                         <a:t>21</a:t>
                       </a:r>
-                      <a:endParaRPr lang="en-US" sz="1100" b="0" i="0" u="none" strike="noStrike">
+                      <a:endParaRPr lang="en-US" sz="1100" b="0" i="0" u="none" strike="noStrike" dirty="0">
                         <a:solidFill>
                           <a:schemeClr val="bg1"/>
                         </a:solidFill>
@@ -15995,7 +16020,7 @@
                     <a:p>
                       <a:pPr algn="ctr" fontAlgn="b"/>
                       <a:r>
-                        <a:rPr lang="en-US" sz="1100" u="none" strike="noStrike">
+                        <a:rPr lang="en-US" sz="1100" u="none" strike="noStrike" dirty="0">
                           <a:solidFill>
                             <a:schemeClr val="bg1"/>
                           </a:solidFill>
@@ -16004,7 +16029,7 @@
                         <a:t> Total hours on task so far this semester (On track ≥ 73 </a:t>
                       </a:r>
                       <a:r>
-                        <a:rPr lang="en-US" sz="1100" u="none" strike="noStrike" err="1">
+                        <a:rPr lang="en-US" sz="1100" u="none" strike="noStrike" dirty="0" err="1">
                           <a:solidFill>
                             <a:schemeClr val="bg1"/>
                           </a:solidFill>
@@ -16013,7 +16038,7 @@
                         <a:t>hrs</a:t>
                       </a:r>
                       <a:r>
-                        <a:rPr lang="en-US" sz="1100" u="none" strike="noStrike">
+                        <a:rPr lang="en-US" sz="1100" u="none" strike="noStrike" dirty="0">
                           <a:solidFill>
                             <a:schemeClr val="bg1"/>
                           </a:solidFill>
@@ -16021,7 +16046,7 @@
                         </a:rPr>
                         <a:t>)</a:t>
                       </a:r>
-                      <a:endParaRPr lang="en-US" sz="1100" b="0" i="0" u="none" strike="noStrike">
+                      <a:endParaRPr lang="en-US" sz="1100" b="0" i="0" u="none" strike="noStrike" dirty="0">
                         <a:solidFill>
                           <a:schemeClr val="bg1"/>
                         </a:solidFill>
@@ -16084,16 +16109,16 @@
                     <a:p>
                       <a:pPr algn="ctr" fontAlgn="b"/>
                       <a:r>
-                        <a:rPr lang="en-US" sz="1100" b="0" i="0" u="none" strike="noStrike">
+                        <a:rPr lang="en-US" sz="1100" b="0" i="0" u="none" strike="noStrike" dirty="0">
                           <a:solidFill>
                             <a:schemeClr val="bg1"/>
                           </a:solidFill>
                           <a:effectLst/>
                           <a:latin typeface="Calibri"/>
                         </a:rPr>
-                        <a:t>74.19</a:t>
+                        <a:t>74.8</a:t>
                       </a:r>
-                      <a:endParaRPr lang="en-US" sz="1100" b="0" i="0" u="none" strike="noStrike">
+                      <a:endParaRPr lang="en-US" sz="1100" b="0" i="0" u="none" strike="noStrike" dirty="0">
                         <a:solidFill>
                           <a:schemeClr val="bg1"/>
                         </a:solidFill>
